--- a/Summarization.pptx
+++ b/Summarization.pptx
@@ -31977,7 +31977,30 @@
                 <a:latin typeface="Times New Roman" panose="02020603050405020304" pitchFamily="18" charset="0"/>
                 <a:ea typeface="PMingLiU" panose="02020500000000000000" pitchFamily="18" charset="-120"/>
               </a:rPr>
-              <a:t> Chun, S. A., &amp; Geller, J. (in press). Multiple View Summarization Framework for Social Media. Proceedings of the International Florida Artificial Intelligence Research Society Conference, FLAIRS, 36.</a:t>
+              <a:t> Chun, S. A., &amp; Geller, J. (2023). Multiple View Summarization Framework for Social Media. The International FLAIRS Conference Proceedings, 36(1). </a:t>
+            </a:r>
+            <a:r>
+              <a:rPr lang="en-US" sz="3000">
+                <a:solidFill>
+                  <a:srgbClr val="000000"/>
+                </a:solidFill>
+                <a:effectLst/>
+                <a:latin typeface="Times New Roman" panose="02020603050405020304" pitchFamily="18" charset="0"/>
+                <a:ea typeface="PMingLiU" panose="02020500000000000000" pitchFamily="18" charset="-120"/>
+                <a:hlinkClick r:id="rId3"/>
+              </a:rPr>
+              <a:t>https://doi.org/10.32473/flairs.36.133169</a:t>
+            </a:r>
+            <a:r>
+              <a:rPr lang="en-US" sz="3000">
+                <a:solidFill>
+                  <a:srgbClr val="000000"/>
+                </a:solidFill>
+                <a:effectLst/>
+                <a:latin typeface="Times New Roman" panose="02020603050405020304" pitchFamily="18" charset="0"/>
+                <a:ea typeface="PMingLiU" panose="02020500000000000000" pitchFamily="18" charset="-120"/>
+              </a:rPr>
+              <a:t> </a:t>
             </a:r>
             <a:endParaRPr lang="en-US" sz="3000" dirty="0">
               <a:effectLst/>

--- a/Summarization.pptx
+++ b/Summarization.pptx
@@ -294,7 +294,7 @@
               <a:pPr>
                 <a:defRPr/>
               </a:pPr>
-              <a:t>7/4/2023</a:t>
+              <a:t>7/31/2023</a:t>
             </a:fld>
             <a:endParaRPr lang="en-US"/>
           </a:p>
@@ -8676,7 +8676,7 @@
           <a:p>
             <a:fld id="{8111E045-4AEE-426D-BFFA-D57A87473A6B}" type="datetime1">
               <a:rPr lang="en-US" smtClean="0"/>
-              <a:t>7/4/2023</a:t>
+              <a:t>7/31/2023</a:t>
             </a:fld>
             <a:endParaRPr lang="en-US"/>
           </a:p>
@@ -8862,7 +8862,7 @@
           <a:p>
             <a:fld id="{AB3643AF-B847-47A0-907D-69EBEF80FCC2}" type="datetime1">
               <a:rPr lang="en-US" smtClean="0"/>
-              <a:t>7/4/2023</a:t>
+              <a:t>7/31/2023</a:t>
             </a:fld>
             <a:endParaRPr lang="en-US"/>
           </a:p>
@@ -9058,7 +9058,7 @@
           <a:p>
             <a:fld id="{21025E53-1BAB-4610-B64C-7E81CA8E063B}" type="datetime1">
               <a:rPr lang="en-US" smtClean="0"/>
-              <a:t>7/4/2023</a:t>
+              <a:t>7/31/2023</a:t>
             </a:fld>
             <a:endParaRPr lang="en-US"/>
           </a:p>
@@ -9326,7 +9326,7 @@
             </a:pPr>
             <a:fld id="{7289F5C2-F436-4A9E-B761-B5FEB93F6CDB}" type="datetime1">
               <a:rPr lang="en-US" altLang="en-US" smtClean="0"/>
-              <a:t>7/4/2023</a:t>
+              <a:t>7/31/2023</a:t>
             </a:fld>
             <a:endParaRPr lang="en-US" altLang="en-US"/>
           </a:p>
@@ -9544,7 +9544,7 @@
             </a:pPr>
             <a:fld id="{29F9A314-323B-438B-866B-2D7D4FCF3D06}" type="datetime1">
               <a:rPr lang="en-US" altLang="en-US" smtClean="0"/>
-              <a:t>7/4/2023</a:t>
+              <a:t>7/31/2023</a:t>
             </a:fld>
             <a:endParaRPr lang="en-US" altLang="en-US"/>
           </a:p>
@@ -9834,7 +9834,7 @@
             </a:pPr>
             <a:fld id="{66A444FA-CD01-4449-A903-208027FA9EFA}" type="datetime1">
               <a:rPr lang="en-US" altLang="en-US" smtClean="0"/>
-              <a:t>7/4/2023</a:t>
+              <a:t>7/31/2023</a:t>
             </a:fld>
             <a:endParaRPr lang="en-US" altLang="en-US"/>
           </a:p>
@@ -10169,7 +10169,7 @@
             </a:pPr>
             <a:fld id="{DEE809F3-405D-44FF-91D6-64837EE536BF}" type="datetime1">
               <a:rPr lang="en-US" altLang="en-US" smtClean="0"/>
-              <a:t>7/4/2023</a:t>
+              <a:t>7/31/2023</a:t>
             </a:fld>
             <a:endParaRPr lang="en-US" altLang="en-US"/>
           </a:p>
@@ -10638,7 +10638,7 @@
             </a:pPr>
             <a:fld id="{49EB8CCD-3A77-47C5-B401-BF35BDD4DA3A}" type="datetime1">
               <a:rPr lang="en-US" altLang="en-US" smtClean="0"/>
-              <a:t>7/4/2023</a:t>
+              <a:t>7/31/2023</a:t>
             </a:fld>
             <a:endParaRPr lang="en-US" altLang="en-US"/>
           </a:p>
@@ -10805,7 +10805,7 @@
             </a:pPr>
             <a:fld id="{350C3232-BE6D-41D4-B47C-48DAB5601C1B}" type="datetime1">
               <a:rPr lang="en-US" altLang="en-US" smtClean="0"/>
-              <a:t>7/4/2023</a:t>
+              <a:t>7/31/2023</a:t>
             </a:fld>
             <a:endParaRPr lang="en-US" altLang="en-US"/>
           </a:p>
@@ -10942,7 +10942,7 @@
             </a:pPr>
             <a:fld id="{FE9B11E3-F192-433C-B6F0-7C4E296A4015}" type="datetime1">
               <a:rPr lang="en-US" altLang="en-US" smtClean="0"/>
-              <a:t>7/4/2023</a:t>
+              <a:t>7/31/2023</a:t>
             </a:fld>
             <a:endParaRPr lang="en-US" altLang="en-US"/>
           </a:p>
@@ -11262,7 +11262,7 @@
             </a:pPr>
             <a:fld id="{065208AD-D847-4730-A18A-EF2889194C2D}" type="datetime1">
               <a:rPr lang="en-US" altLang="en-US" smtClean="0"/>
-              <a:t>7/4/2023</a:t>
+              <a:t>7/31/2023</a:t>
             </a:fld>
             <a:endParaRPr lang="en-US" altLang="en-US"/>
           </a:p>
@@ -11465,7 +11465,7 @@
           <a:p>
             <a:fld id="{48654E88-2020-4731-AD59-EFD548BF6DBE}" type="datetime1">
               <a:rPr lang="en-US" smtClean="0"/>
-              <a:t>7/4/2023</a:t>
+              <a:t>7/31/2023</a:t>
             </a:fld>
             <a:endParaRPr lang="en-US"/>
           </a:p>
@@ -11748,7 +11748,7 @@
             </a:pPr>
             <a:fld id="{44D21C0E-135F-4B3D-866C-34DA40C8B8AB}" type="datetime1">
               <a:rPr lang="en-US" altLang="en-US" smtClean="0"/>
-              <a:t>7/4/2023</a:t>
+              <a:t>7/31/2023</a:t>
             </a:fld>
             <a:endParaRPr lang="en-US" altLang="en-US"/>
           </a:p>
@@ -11966,7 +11966,7 @@
             </a:pPr>
             <a:fld id="{9752AD45-411B-47C6-A6AA-0FBD8B82F645}" type="datetime1">
               <a:rPr lang="en-US" altLang="en-US" smtClean="0"/>
-              <a:t>7/4/2023</a:t>
+              <a:t>7/31/2023</a:t>
             </a:fld>
             <a:endParaRPr lang="en-US" altLang="en-US"/>
           </a:p>
@@ -12189,7 +12189,7 @@
             </a:pPr>
             <a:fld id="{69A44A20-0B6C-4361-8C28-4433C4760427}" type="datetime1">
               <a:rPr lang="en-US" altLang="en-US" smtClean="0"/>
-              <a:t>7/4/2023</a:t>
+              <a:t>7/31/2023</a:t>
             </a:fld>
             <a:endParaRPr lang="en-US" altLang="en-US"/>
           </a:p>
@@ -12415,7 +12415,7 @@
           <a:p>
             <a:fld id="{96FCED5F-0D9E-4F4A-B0BB-E3232E0FEA36}" type="datetime1">
               <a:rPr lang="en-US" smtClean="0"/>
-              <a:t>7/4/2023</a:t>
+              <a:t>7/31/2023</a:t>
             </a:fld>
             <a:endParaRPr lang="en-US"/>
           </a:p>
@@ -12718,7 +12718,7 @@
           <a:p>
             <a:fld id="{34549876-9156-415D-A080-223E97E222B9}" type="datetime1">
               <a:rPr lang="en-US" smtClean="0"/>
-              <a:t>7/4/2023</a:t>
+              <a:t>7/31/2023</a:t>
             </a:fld>
             <a:endParaRPr lang="en-US"/>
           </a:p>
@@ -13160,7 +13160,7 @@
           <a:p>
             <a:fld id="{70B4E002-1803-47FB-ACAC-4D74229D109D}" type="datetime1">
               <a:rPr lang="en-US" smtClean="0"/>
-              <a:t>7/4/2023</a:t>
+              <a:t>7/31/2023</a:t>
             </a:fld>
             <a:endParaRPr lang="en-US"/>
           </a:p>
@@ -13295,7 +13295,7 @@
           <a:p>
             <a:fld id="{AB88827A-1C9F-4072-B320-6FCD4F5B6238}" type="datetime1">
               <a:rPr lang="en-US" smtClean="0"/>
-              <a:t>7/4/2023</a:t>
+              <a:t>7/31/2023</a:t>
             </a:fld>
             <a:endParaRPr lang="en-US"/>
           </a:p>
@@ -13408,7 +13408,7 @@
           <a:p>
             <a:fld id="{A17C089B-85A8-41D5-AEB7-5709A70EC4B2}" type="datetime1">
               <a:rPr lang="en-US" smtClean="0"/>
-              <a:t>7/4/2023</a:t>
+              <a:t>7/31/2023</a:t>
             </a:fld>
             <a:endParaRPr lang="en-US"/>
           </a:p>
@@ -13701,7 +13701,7 @@
           <a:p>
             <a:fld id="{3806CADC-650C-4389-8329-4CDFF55CCD52}" type="datetime1">
               <a:rPr lang="en-US" smtClean="0"/>
-              <a:t>7/4/2023</a:t>
+              <a:t>7/31/2023</a:t>
             </a:fld>
             <a:endParaRPr lang="en-US"/>
           </a:p>
@@ -13972,7 +13972,7 @@
           <a:p>
             <a:fld id="{33C9339D-7484-441A-8806-FB5568D09823}" type="datetime1">
               <a:rPr lang="en-US" smtClean="0"/>
-              <a:t>7/4/2023</a:t>
+              <a:t>7/31/2023</a:t>
             </a:fld>
             <a:endParaRPr lang="en-US"/>
           </a:p>
@@ -14473,7 +14473,7 @@
           <a:p>
             <a:fld id="{33E8CFB5-DE34-4F22-9428-4DC18BD2F17F}" type="datetime1">
               <a:rPr lang="en-US" smtClean="0"/>
-              <a:t>7/4/2023</a:t>
+              <a:t>7/31/2023</a:t>
             </a:fld>
             <a:endParaRPr lang="en-US"/>
           </a:p>
@@ -15151,7 +15151,7 @@
             </a:pPr>
             <a:fld id="{860F350C-1893-4B77-9FB0-4F0A6309752F}" type="datetime1">
               <a:rPr lang="en-US" altLang="en-US" smtClean="0"/>
-              <a:t>7/4/2023</a:t>
+              <a:t>7/31/2023</a:t>
             </a:fld>
             <a:endParaRPr lang="en-US" altLang="en-US"/>
           </a:p>
@@ -31901,7 +31901,14 @@
                 <a:latin typeface="Times New Roman" panose="02020603050405020304" pitchFamily="18" charset="0"/>
                 <a:cs typeface="Times New Roman" panose="02020603050405020304" pitchFamily="18" charset="0"/>
               </a:rPr>
-              <a:t>The above work is accepted and currently pending publication</a:t>
+              <a:t>The above work </a:t>
+            </a:r>
+            <a:r>
+              <a:rPr lang="en-US">
+                <a:latin typeface="Times New Roman" panose="02020603050405020304" pitchFamily="18" charset="0"/>
+                <a:cs typeface="Times New Roman" panose="02020603050405020304" pitchFamily="18" charset="0"/>
+              </a:rPr>
+              <a:t>is published.</a:t>
             </a:r>
             <a:br>
               <a:rPr lang="en-US" dirty="0">
